--- a/Présentations/Présentation3.pptx
+++ b/Présentations/Présentation3.pptx
@@ -354,7 +354,7 @@
           <a:p>
             <a:fld id="{4276551D-933F-4A19-ACC7-04FA626C6E56}" type="datetimeFigureOut">
               <a:rPr lang="en-US" smtClean="0"/>
-              <a:t>6/17/2022</a:t>
+              <a:t>8/11/2022</a:t>
             </a:fld>
             <a:endParaRPr lang="en-US"/>
           </a:p>
@@ -32850,7 +32850,7 @@
         </p:nvSpPr>
         <p:spPr>
           <a:xfrm>
-            <a:off x="603625" y="1448827"/>
+            <a:off x="639512" y="1282153"/>
             <a:ext cx="10984749" cy="1182406"/>
           </a:xfrm>
           <a:prstGeom prst="rect">
